--- a/AWS_Architecture.pptx
+++ b/AWS_Architecture.pptx
@@ -104,6 +104,11 @@
       </a:defRPr>
     </a:lvl9pPr>
   </p:defaultTextStyle>
+  <p:extLst>
+    <p:ext uri="{EFAFB233-063F-42B5-8137-9DF3F51BA10A}">
+      <p15:sldGuideLst xmlns:p15="http://schemas.microsoft.com/office/powerpoint/2012/main"/>
+    </p:ext>
+  </p:extLst>
 </p:presentation>
 </file>
 
@@ -293,7 +298,7 @@
           <a:p>
             <a:fld id="{B92E96DC-9E7C-47B0-88FC-55E9FB02E282}" type="datetimeFigureOut">
               <a:rPr lang="en-SG" smtClean="0"/>
-              <a:t>24/7/2021</a:t>
+              <a:t>29/7/2021</a:t>
             </a:fld>
             <a:endParaRPr lang="en-SG"/>
           </a:p>
@@ -568,7 +573,7 @@
           <a:p>
             <a:fld id="{B92E96DC-9E7C-47B0-88FC-55E9FB02E282}" type="datetimeFigureOut">
               <a:rPr lang="en-SG" smtClean="0"/>
-              <a:t>24/7/2021</a:t>
+              <a:t>29/7/2021</a:t>
             </a:fld>
             <a:endParaRPr lang="en-SG"/>
           </a:p>
@@ -762,7 +767,7 @@
           <a:p>
             <a:fld id="{B92E96DC-9E7C-47B0-88FC-55E9FB02E282}" type="datetimeFigureOut">
               <a:rPr lang="en-SG" smtClean="0"/>
-              <a:t>24/7/2021</a:t>
+              <a:t>29/7/2021</a:t>
             </a:fld>
             <a:endParaRPr lang="en-SG"/>
           </a:p>
@@ -1035,7 +1040,7 @@
           <a:p>
             <a:fld id="{B92E96DC-9E7C-47B0-88FC-55E9FB02E282}" type="datetimeFigureOut">
               <a:rPr lang="en-SG" smtClean="0"/>
-              <a:t>24/7/2021</a:t>
+              <a:t>29/7/2021</a:t>
             </a:fld>
             <a:endParaRPr lang="en-SG"/>
           </a:p>
@@ -1376,7 +1381,7 @@
           <a:p>
             <a:fld id="{B92E96DC-9E7C-47B0-88FC-55E9FB02E282}" type="datetimeFigureOut">
               <a:rPr lang="en-SG" smtClean="0"/>
-              <a:t>24/7/2021</a:t>
+              <a:t>29/7/2021</a:t>
             </a:fld>
             <a:endParaRPr lang="en-SG"/>
           </a:p>
@@ -1999,7 +2004,7 @@
           <a:p>
             <a:fld id="{B92E96DC-9E7C-47B0-88FC-55E9FB02E282}" type="datetimeFigureOut">
               <a:rPr lang="en-SG" smtClean="0"/>
-              <a:t>24/7/2021</a:t>
+              <a:t>29/7/2021</a:t>
             </a:fld>
             <a:endParaRPr lang="en-SG"/>
           </a:p>
@@ -2859,7 +2864,7 @@
           <a:p>
             <a:fld id="{B92E96DC-9E7C-47B0-88FC-55E9FB02E282}" type="datetimeFigureOut">
               <a:rPr lang="en-SG" smtClean="0"/>
-              <a:t>24/7/2021</a:t>
+              <a:t>29/7/2021</a:t>
             </a:fld>
             <a:endParaRPr lang="en-SG"/>
           </a:p>
@@ -3029,7 +3034,7 @@
           <a:p>
             <a:fld id="{B92E96DC-9E7C-47B0-88FC-55E9FB02E282}" type="datetimeFigureOut">
               <a:rPr lang="en-SG" smtClean="0"/>
-              <a:t>24/7/2021</a:t>
+              <a:t>29/7/2021</a:t>
             </a:fld>
             <a:endParaRPr lang="en-SG"/>
           </a:p>
@@ -3209,7 +3214,7 @@
           <a:p>
             <a:fld id="{B92E96DC-9E7C-47B0-88FC-55E9FB02E282}" type="datetimeFigureOut">
               <a:rPr lang="en-SG" smtClean="0"/>
-              <a:t>24/7/2021</a:t>
+              <a:t>29/7/2021</a:t>
             </a:fld>
             <a:endParaRPr lang="en-SG"/>
           </a:p>
@@ -3379,7 +3384,7 @@
           <a:p>
             <a:fld id="{B92E96DC-9E7C-47B0-88FC-55E9FB02E282}" type="datetimeFigureOut">
               <a:rPr lang="en-SG" smtClean="0"/>
-              <a:t>24/7/2021</a:t>
+              <a:t>29/7/2021</a:t>
             </a:fld>
             <a:endParaRPr lang="en-SG"/>
           </a:p>
@@ -3626,7 +3631,7 @@
           <a:p>
             <a:fld id="{B92E96DC-9E7C-47B0-88FC-55E9FB02E282}" type="datetimeFigureOut">
               <a:rPr lang="en-SG" smtClean="0"/>
-              <a:t>24/7/2021</a:t>
+              <a:t>29/7/2021</a:t>
             </a:fld>
             <a:endParaRPr lang="en-SG"/>
           </a:p>
@@ -3918,7 +3923,7 @@
           <a:p>
             <a:fld id="{B92E96DC-9E7C-47B0-88FC-55E9FB02E282}" type="datetimeFigureOut">
               <a:rPr lang="en-SG" smtClean="0"/>
-              <a:t>24/7/2021</a:t>
+              <a:t>29/7/2021</a:t>
             </a:fld>
             <a:endParaRPr lang="en-SG"/>
           </a:p>
@@ -4362,7 +4367,7 @@
           <a:p>
             <a:fld id="{B92E96DC-9E7C-47B0-88FC-55E9FB02E282}" type="datetimeFigureOut">
               <a:rPr lang="en-SG" smtClean="0"/>
-              <a:t>24/7/2021</a:t>
+              <a:t>29/7/2021</a:t>
             </a:fld>
             <a:endParaRPr lang="en-SG"/>
           </a:p>
@@ -4480,7 +4485,7 @@
           <a:p>
             <a:fld id="{B92E96DC-9E7C-47B0-88FC-55E9FB02E282}" type="datetimeFigureOut">
               <a:rPr lang="en-SG" smtClean="0"/>
-              <a:t>24/7/2021</a:t>
+              <a:t>29/7/2021</a:t>
             </a:fld>
             <a:endParaRPr lang="en-SG"/>
           </a:p>
@@ -4575,7 +4580,7 @@
           <a:p>
             <a:fld id="{B92E96DC-9E7C-47B0-88FC-55E9FB02E282}" type="datetimeFigureOut">
               <a:rPr lang="en-SG" smtClean="0"/>
-              <a:t>24/7/2021</a:t>
+              <a:t>29/7/2021</a:t>
             </a:fld>
             <a:endParaRPr lang="en-SG"/>
           </a:p>
@@ -4854,7 +4859,7 @@
           <a:p>
             <a:fld id="{B92E96DC-9E7C-47B0-88FC-55E9FB02E282}" type="datetimeFigureOut">
               <a:rPr lang="en-SG" smtClean="0"/>
-              <a:t>24/7/2021</a:t>
+              <a:t>29/7/2021</a:t>
             </a:fld>
             <a:endParaRPr lang="en-SG"/>
           </a:p>
@@ -5129,7 +5134,7 @@
           <a:p>
             <a:fld id="{B92E96DC-9E7C-47B0-88FC-55E9FB02E282}" type="datetimeFigureOut">
               <a:rPr lang="en-SG" smtClean="0"/>
-              <a:t>24/7/2021</a:t>
+              <a:t>29/7/2021</a:t>
             </a:fld>
             <a:endParaRPr lang="en-SG"/>
           </a:p>
@@ -5558,7 +5563,7 @@
           <a:p>
             <a:fld id="{B92E96DC-9E7C-47B0-88FC-55E9FB02E282}" type="datetimeFigureOut">
               <a:rPr lang="en-SG" smtClean="0"/>
-              <a:t>24/7/2021</a:t>
+              <a:t>29/7/2021</a:t>
             </a:fld>
             <a:endParaRPr lang="en-SG"/>
           </a:p>
@@ -6115,7 +6120,7 @@
         </p:blipFill>
         <p:spPr bwMode="auto">
           <a:xfrm>
-            <a:off x="699969" y="2959100"/>
+            <a:off x="643408" y="2120115"/>
             <a:ext cx="469900" cy="469900"/>
           </a:xfrm>
           <a:prstGeom prst="rect">
@@ -6160,7 +6165,7 @@
         </p:nvSpPr>
         <p:spPr>
           <a:xfrm>
-            <a:off x="250655" y="3429000"/>
+            <a:off x="194094" y="2590015"/>
             <a:ext cx="1368528" cy="369332"/>
           </a:xfrm>
           <a:prstGeom prst="rect">
@@ -6196,7 +6201,7 @@
         </p:nvSpPr>
         <p:spPr>
           <a:xfrm flipH="1">
-            <a:off x="934917" y="1935190"/>
+            <a:off x="878356" y="1096205"/>
             <a:ext cx="1071435" cy="915975"/>
           </a:xfrm>
           <a:custGeom>
@@ -6292,7 +6297,7 @@
         </p:nvSpPr>
         <p:spPr>
           <a:xfrm flipH="1" flipV="1">
-            <a:off x="934917" y="3798331"/>
+            <a:off x="878356" y="2959346"/>
             <a:ext cx="1071433" cy="897955"/>
           </a:xfrm>
           <a:custGeom>
@@ -6390,7 +6395,7 @@
         </p:nvCxnSpPr>
         <p:spPr>
           <a:xfrm>
-            <a:off x="1294487" y="3194050"/>
+            <a:off x="1237926" y="2355065"/>
             <a:ext cx="711866" cy="0"/>
           </a:xfrm>
           <a:prstGeom prst="straightConnector1">
@@ -6433,7 +6438,7 @@
         </p:nvSpPr>
         <p:spPr>
           <a:xfrm>
-            <a:off x="2150376" y="4232651"/>
+            <a:off x="2093815" y="3393666"/>
             <a:ext cx="1171853" cy="830997"/>
           </a:xfrm>
           <a:prstGeom prst="rect">
@@ -6469,7 +6474,7 @@
         </p:nvSpPr>
         <p:spPr>
           <a:xfrm>
-            <a:off x="2150377" y="2967335"/>
+            <a:off x="2093816" y="2128350"/>
             <a:ext cx="1171853" cy="830997"/>
           </a:xfrm>
           <a:prstGeom prst="rect">
@@ -6505,7 +6510,7 @@
         </p:nvSpPr>
         <p:spPr>
           <a:xfrm>
-            <a:off x="2161066" y="1628300"/>
+            <a:off x="2104505" y="789315"/>
             <a:ext cx="1171853" cy="646331"/>
           </a:xfrm>
           <a:prstGeom prst="rect">
@@ -6556,7 +6561,7 @@
         </p:blipFill>
         <p:spPr bwMode="auto">
           <a:xfrm>
-            <a:off x="8531657" y="1527533"/>
+            <a:off x="8475096" y="688548"/>
             <a:ext cx="762000" cy="762000"/>
           </a:xfrm>
           <a:prstGeom prst="rect">
@@ -6603,7 +6608,7 @@
         </p:nvSpPr>
         <p:spPr bwMode="auto">
           <a:xfrm>
-            <a:off x="7772832" y="2384499"/>
+            <a:off x="7716271" y="1545514"/>
             <a:ext cx="2279650" cy="276999"/>
           </a:xfrm>
           <a:prstGeom prst="rect">
@@ -6764,7 +6769,7 @@
         </p:nvCxnSpPr>
         <p:spPr>
           <a:xfrm>
-            <a:off x="3417729" y="1951466"/>
+            <a:off x="3361168" y="1112481"/>
             <a:ext cx="711866" cy="0"/>
           </a:xfrm>
           <a:prstGeom prst="straightConnector1">
@@ -6822,7 +6827,7 @@
         </p:blipFill>
         <p:spPr bwMode="auto">
           <a:xfrm>
-            <a:off x="4474160" y="1527533"/>
+            <a:off x="4417599" y="688548"/>
             <a:ext cx="762000" cy="762000"/>
           </a:xfrm>
           <a:prstGeom prst="rect">
@@ -6869,7 +6874,7 @@
         </p:nvSpPr>
         <p:spPr bwMode="auto">
           <a:xfrm>
-            <a:off x="3743416" y="2332040"/>
+            <a:off x="3686855" y="1493055"/>
             <a:ext cx="2292350" cy="461665"/>
           </a:xfrm>
           <a:prstGeom prst="rect">
@@ -7043,7 +7048,7 @@
         </p:blipFill>
         <p:spPr bwMode="auto">
           <a:xfrm>
-            <a:off x="6428183" y="1527533"/>
+            <a:off x="6371622" y="688548"/>
             <a:ext cx="762000" cy="762000"/>
           </a:xfrm>
           <a:prstGeom prst="rect">
@@ -7090,7 +7095,7 @@
         </p:nvSpPr>
         <p:spPr bwMode="auto">
           <a:xfrm>
-            <a:off x="5663008" y="2384500"/>
+            <a:off x="5606447" y="1545515"/>
             <a:ext cx="2292350" cy="276999"/>
           </a:xfrm>
           <a:prstGeom prst="rect">
@@ -7251,7 +7256,7 @@
         </p:nvCxnSpPr>
         <p:spPr>
           <a:xfrm>
-            <a:off x="5469951" y="1935190"/>
+            <a:off x="5413390" y="1096205"/>
             <a:ext cx="711866" cy="0"/>
           </a:xfrm>
           <a:prstGeom prst="straightConnector1">
@@ -7296,7 +7301,7 @@
         </p:nvCxnSpPr>
         <p:spPr>
           <a:xfrm>
-            <a:off x="7481176" y="1935190"/>
+            <a:off x="7424615" y="1096205"/>
             <a:ext cx="711866" cy="0"/>
           </a:xfrm>
           <a:prstGeom prst="straightConnector1">
@@ -7339,7 +7344,7 @@
         </p:nvSpPr>
         <p:spPr>
           <a:xfrm>
-            <a:off x="5545943" y="1613216"/>
+            <a:off x="5489382" y="774231"/>
             <a:ext cx="786740" cy="276999"/>
           </a:xfrm>
           <a:prstGeom prst="rect">
@@ -7375,7 +7380,7 @@
         </p:nvSpPr>
         <p:spPr>
           <a:xfrm>
-            <a:off x="7332196" y="1572036"/>
+            <a:off x="7275635" y="733051"/>
             <a:ext cx="1165913" cy="276999"/>
           </a:xfrm>
           <a:prstGeom prst="rect">
@@ -7426,7 +7431,7 @@
         </p:blipFill>
         <p:spPr bwMode="auto">
           <a:xfrm>
-            <a:off x="4496484" y="2870480"/>
+            <a:off x="4439923" y="2031495"/>
             <a:ext cx="762000" cy="762000"/>
           </a:xfrm>
           <a:prstGeom prst="rect">
@@ -7473,7 +7478,7 @@
         </p:nvSpPr>
         <p:spPr bwMode="auto">
           <a:xfrm>
-            <a:off x="3756116" y="3709257"/>
+            <a:off x="3699555" y="2870272"/>
             <a:ext cx="2279650" cy="276999"/>
           </a:xfrm>
           <a:prstGeom prst="rect">
@@ -7634,7 +7639,7 @@
         </p:nvCxnSpPr>
         <p:spPr>
           <a:xfrm>
-            <a:off x="3400183" y="3260217"/>
+            <a:off x="3343622" y="2421232"/>
             <a:ext cx="711866" cy="0"/>
           </a:xfrm>
           <a:prstGeom prst="straightConnector1">
@@ -7677,7 +7682,7 @@
         </p:nvSpPr>
         <p:spPr>
           <a:xfrm>
-            <a:off x="3220399" y="2974481"/>
+            <a:off x="3163838" y="2135496"/>
             <a:ext cx="1071434" cy="276999"/>
           </a:xfrm>
           <a:prstGeom prst="rect">
@@ -7728,7 +7733,7 @@
         </p:blipFill>
         <p:spPr bwMode="auto">
           <a:xfrm>
-            <a:off x="4470637" y="4247308"/>
+            <a:off x="4414076" y="3408323"/>
             <a:ext cx="762000" cy="762000"/>
           </a:xfrm>
           <a:prstGeom prst="rect">
@@ -7775,7 +7780,7 @@
         </p:nvSpPr>
         <p:spPr bwMode="auto">
           <a:xfrm>
-            <a:off x="3793232" y="5154062"/>
+            <a:off x="3736671" y="4315077"/>
             <a:ext cx="2279650" cy="276999"/>
           </a:xfrm>
           <a:prstGeom prst="rect">
@@ -7936,7 +7941,7 @@
         </p:nvCxnSpPr>
         <p:spPr>
           <a:xfrm>
-            <a:off x="3437299" y="4705022"/>
+            <a:off x="3380738" y="3866037"/>
             <a:ext cx="711866" cy="0"/>
           </a:xfrm>
           <a:prstGeom prst="straightConnector1">
@@ -7979,7 +7984,7 @@
         </p:nvSpPr>
         <p:spPr>
           <a:xfrm>
-            <a:off x="3257515" y="4419286"/>
+            <a:off x="3200954" y="3580301"/>
             <a:ext cx="1071434" cy="276999"/>
           </a:xfrm>
           <a:prstGeom prst="rect">
@@ -8030,7 +8035,7 @@
         </p:blipFill>
         <p:spPr bwMode="auto">
           <a:xfrm>
-            <a:off x="6809183" y="4267149"/>
+            <a:off x="6752622" y="3428164"/>
             <a:ext cx="762000" cy="762000"/>
           </a:xfrm>
           <a:prstGeom prst="rect">
@@ -8077,7 +8082,7 @@
         </p:nvSpPr>
         <p:spPr bwMode="auto">
           <a:xfrm>
-            <a:off x="6119120" y="5121292"/>
+            <a:off x="6062559" y="4282307"/>
             <a:ext cx="2292350" cy="276999"/>
           </a:xfrm>
           <a:prstGeom prst="rect">
@@ -8238,7 +8243,7 @@
         </p:nvCxnSpPr>
         <p:spPr>
           <a:xfrm>
-            <a:off x="5469951" y="4709305"/>
+            <a:off x="5413390" y="3870320"/>
             <a:ext cx="1143913" cy="0"/>
           </a:xfrm>
           <a:prstGeom prst="straightConnector1">
@@ -8281,7 +8286,7 @@
         </p:nvSpPr>
         <p:spPr>
           <a:xfrm>
-            <a:off x="5330296" y="4220166"/>
+            <a:off x="5273735" y="3381181"/>
             <a:ext cx="1485172" cy="461665"/>
           </a:xfrm>
           <a:prstGeom prst="rect">
@@ -8332,7 +8337,7 @@
         </p:blipFill>
         <p:spPr bwMode="auto">
           <a:xfrm>
-            <a:off x="8879808" y="4264783"/>
+            <a:off x="8823247" y="3425798"/>
             <a:ext cx="762000" cy="762000"/>
           </a:xfrm>
           <a:prstGeom prst="rect">
@@ -8379,7 +8384,7 @@
         </p:nvSpPr>
         <p:spPr bwMode="auto">
           <a:xfrm>
-            <a:off x="8111458" y="5028370"/>
+            <a:off x="8054897" y="4189385"/>
             <a:ext cx="2268537" cy="461665"/>
           </a:xfrm>
           <a:prstGeom prst="rect">
@@ -8540,7 +8545,7 @@
         </p:nvCxnSpPr>
         <p:spPr>
           <a:xfrm>
-            <a:off x="7910921" y="4730827"/>
+            <a:off x="7854360" y="3891842"/>
             <a:ext cx="711866" cy="0"/>
           </a:xfrm>
           <a:prstGeom prst="straightConnector1">
@@ -8583,7 +8588,7 @@
         </p:nvSpPr>
         <p:spPr>
           <a:xfrm>
-            <a:off x="7835591" y="4415846"/>
+            <a:off x="7779030" y="3576861"/>
             <a:ext cx="1165913" cy="276999"/>
           </a:xfrm>
           <a:prstGeom prst="rect">
@@ -8621,7 +8626,7 @@
         </p:nvSpPr>
         <p:spPr bwMode="auto">
           <a:xfrm>
-            <a:off x="10375215" y="4859682"/>
+            <a:off x="10318654" y="4020697"/>
             <a:ext cx="1385885" cy="261610"/>
           </a:xfrm>
           <a:prstGeom prst="rect">
@@ -8795,7 +8800,7 @@
         </p:blipFill>
         <p:spPr bwMode="auto">
           <a:xfrm>
-            <a:off x="10837244" y="4334220"/>
+            <a:off x="10780683" y="3495235"/>
             <a:ext cx="457200" cy="457200"/>
           </a:xfrm>
           <a:prstGeom prst="rect">
@@ -8842,7 +8847,7 @@
         </p:nvCxnSpPr>
         <p:spPr>
           <a:xfrm flipV="1">
-            <a:off x="9794795" y="4705022"/>
+            <a:off x="9738234" y="3866037"/>
             <a:ext cx="893920" cy="6693"/>
           </a:xfrm>
           <a:prstGeom prst="straightConnector1">
@@ -8885,7 +8890,7 @@
         </p:nvSpPr>
         <p:spPr>
           <a:xfrm>
-            <a:off x="9719465" y="4396734"/>
+            <a:off x="9662904" y="3557749"/>
             <a:ext cx="1165913" cy="276999"/>
           </a:xfrm>
           <a:prstGeom prst="rect">
@@ -8936,7 +8941,7 @@
         </p:blipFill>
         <p:spPr bwMode="auto">
           <a:xfrm>
-            <a:off x="10128363" y="5779475"/>
+            <a:off x="10071802" y="4940490"/>
             <a:ext cx="762000" cy="762000"/>
           </a:xfrm>
           <a:prstGeom prst="rect">
@@ -8983,7 +8988,7 @@
         </p:nvSpPr>
         <p:spPr bwMode="auto">
           <a:xfrm>
-            <a:off x="9419208" y="6585378"/>
+            <a:off x="9362647" y="5746393"/>
             <a:ext cx="2243137" cy="276999"/>
           </a:xfrm>
           <a:prstGeom prst="rect">
@@ -9157,7 +9162,7 @@
         </p:blipFill>
         <p:spPr bwMode="auto">
           <a:xfrm>
-            <a:off x="8531657" y="2834395"/>
+            <a:off x="8475096" y="1995410"/>
             <a:ext cx="762000" cy="762000"/>
           </a:xfrm>
           <a:prstGeom prst="rect">
@@ -9204,7 +9209,7 @@
         </p:nvSpPr>
         <p:spPr bwMode="auto">
           <a:xfrm>
-            <a:off x="7771785" y="3682772"/>
+            <a:off x="7715224" y="2843787"/>
             <a:ext cx="2243137" cy="276999"/>
           </a:xfrm>
           <a:prstGeom prst="rect">
@@ -9365,7 +9370,7 @@
         </p:nvCxnSpPr>
         <p:spPr>
           <a:xfrm flipV="1">
-            <a:off x="7563325" y="3215395"/>
+            <a:off x="7506764" y="2376410"/>
             <a:ext cx="851521" cy="8741"/>
           </a:xfrm>
           <a:prstGeom prst="straightConnector1">
@@ -9408,7 +9413,7 @@
         </p:nvSpPr>
         <p:spPr>
           <a:xfrm>
-            <a:off x="7481176" y="2715748"/>
+            <a:off x="7424615" y="1876763"/>
             <a:ext cx="1104910" cy="461665"/>
           </a:xfrm>
           <a:prstGeom prst="rect">
@@ -9459,7 +9464,7 @@
         </p:blipFill>
         <p:spPr bwMode="auto">
           <a:xfrm>
-            <a:off x="6469652" y="2870480"/>
+            <a:off x="6413091" y="2031495"/>
             <a:ext cx="762000" cy="762000"/>
           </a:xfrm>
           <a:prstGeom prst="rect">
@@ -9506,7 +9511,7 @@
         </p:nvSpPr>
         <p:spPr bwMode="auto">
           <a:xfrm>
-            <a:off x="5704477" y="3692221"/>
+            <a:off x="5647916" y="2853236"/>
             <a:ext cx="2292350" cy="276999"/>
           </a:xfrm>
           <a:prstGeom prst="rect">
@@ -9667,7 +9672,7 @@
         </p:nvCxnSpPr>
         <p:spPr>
           <a:xfrm flipV="1">
-            <a:off x="5399517" y="3227914"/>
+            <a:off x="5342956" y="2388929"/>
             <a:ext cx="851521" cy="8741"/>
           </a:xfrm>
           <a:prstGeom prst="straightConnector1">
@@ -9710,7 +9715,7 @@
         </p:nvSpPr>
         <p:spPr>
           <a:xfrm>
-            <a:off x="5327099" y="2897279"/>
+            <a:off x="5270538" y="2058294"/>
             <a:ext cx="1104910" cy="276999"/>
           </a:xfrm>
           <a:prstGeom prst="rect">
@@ -9746,7 +9751,7 @@
         </p:nvSpPr>
         <p:spPr>
           <a:xfrm flipH="1" flipV="1">
-            <a:off x="934917" y="5292561"/>
+            <a:off x="878356" y="4453576"/>
             <a:ext cx="1071433" cy="897955"/>
           </a:xfrm>
           <a:custGeom>
@@ -9846,7 +9851,7 @@
         </p:nvCxnSpPr>
         <p:spPr>
           <a:xfrm>
-            <a:off x="934917" y="4696286"/>
+            <a:off x="878356" y="3857301"/>
             <a:ext cx="0" cy="596275"/>
           </a:xfrm>
           <a:prstGeom prst="straightConnector1">
@@ -9889,7 +9894,7 @@
         </p:nvSpPr>
         <p:spPr>
           <a:xfrm>
-            <a:off x="2085662" y="5899550"/>
+            <a:off x="2029101" y="5060565"/>
             <a:ext cx="1171853" cy="646331"/>
           </a:xfrm>
           <a:prstGeom prst="rect">
@@ -9940,7 +9945,7 @@
         </p:blipFill>
         <p:spPr bwMode="auto">
           <a:xfrm>
-            <a:off x="4493755" y="5608443"/>
+            <a:off x="4437194" y="4769458"/>
             <a:ext cx="762000" cy="762000"/>
           </a:xfrm>
           <a:prstGeom prst="rect">
@@ -9987,7 +9992,7 @@
         </p:nvSpPr>
         <p:spPr bwMode="auto">
           <a:xfrm>
-            <a:off x="3816350" y="6515197"/>
+            <a:off x="3759789" y="5676212"/>
             <a:ext cx="2279650" cy="276999"/>
           </a:xfrm>
           <a:prstGeom prst="rect">
@@ -10161,7 +10166,7 @@
         </p:blipFill>
         <p:spPr bwMode="auto">
           <a:xfrm>
-            <a:off x="6832301" y="5628284"/>
+            <a:off x="6775740" y="4789299"/>
             <a:ext cx="762000" cy="762000"/>
           </a:xfrm>
           <a:prstGeom prst="rect">
@@ -10208,7 +10213,7 @@
         </p:nvSpPr>
         <p:spPr bwMode="auto">
           <a:xfrm>
-            <a:off x="6035766" y="6481777"/>
+            <a:off x="5979205" y="5642792"/>
             <a:ext cx="2292350" cy="276999"/>
           </a:xfrm>
           <a:prstGeom prst="rect">
@@ -10369,7 +10374,7 @@
         </p:nvCxnSpPr>
         <p:spPr>
           <a:xfrm>
-            <a:off x="5485350" y="6185318"/>
+            <a:off x="5428789" y="5346333"/>
             <a:ext cx="1143913" cy="0"/>
           </a:xfrm>
           <a:prstGeom prst="straightConnector1">
@@ -10412,7 +10417,7 @@
         </p:nvSpPr>
         <p:spPr>
           <a:xfrm>
-            <a:off x="5756089" y="5882391"/>
+            <a:off x="5699528" y="5043406"/>
             <a:ext cx="1485172" cy="276999"/>
           </a:xfrm>
           <a:prstGeom prst="rect">
@@ -10450,7 +10455,7 @@
         </p:nvCxnSpPr>
         <p:spPr>
           <a:xfrm>
-            <a:off x="3422585" y="6198285"/>
+            <a:off x="3366024" y="5359300"/>
             <a:ext cx="711866" cy="0"/>
           </a:xfrm>
           <a:prstGeom prst="straightConnector1">
@@ -10493,7 +10498,7 @@
         </p:nvSpPr>
         <p:spPr>
           <a:xfrm>
-            <a:off x="3242801" y="5912549"/>
+            <a:off x="3186240" y="5073564"/>
             <a:ext cx="1071434" cy="276999"/>
           </a:xfrm>
           <a:prstGeom prst="rect">
@@ -10531,7 +10536,7 @@
         </p:nvCxnSpPr>
         <p:spPr>
           <a:xfrm>
-            <a:off x="7989085" y="6020890"/>
+            <a:off x="7932524" y="5181905"/>
             <a:ext cx="1313450" cy="5085"/>
           </a:xfrm>
           <a:prstGeom prst="straightConnector1">
@@ -10576,7 +10581,7 @@
         </p:nvCxnSpPr>
         <p:spPr>
           <a:xfrm flipV="1">
-            <a:off x="9302535" y="5526455"/>
+            <a:off x="9245974" y="4687470"/>
             <a:ext cx="0" cy="482829"/>
           </a:xfrm>
           <a:prstGeom prst="straightConnector1">
@@ -10619,7 +10624,7 @@
         </p:nvSpPr>
         <p:spPr>
           <a:xfrm>
-            <a:off x="8234850" y="5652497"/>
+            <a:off x="8178289" y="4813512"/>
             <a:ext cx="1165913" cy="276999"/>
           </a:xfrm>
           <a:prstGeom prst="rect">
@@ -10657,7 +10662,7 @@
         </p:nvCxnSpPr>
         <p:spPr>
           <a:xfrm>
-            <a:off x="7743160" y="6222715"/>
+            <a:off x="7686599" y="5383730"/>
             <a:ext cx="2254053" cy="7471"/>
           </a:xfrm>
           <a:prstGeom prst="straightConnector1">
@@ -10700,7 +10705,7 @@
         </p:nvSpPr>
         <p:spPr>
           <a:xfrm>
-            <a:off x="8360202" y="6260036"/>
+            <a:off x="8303641" y="5421051"/>
             <a:ext cx="1104910" cy="461665"/>
           </a:xfrm>
           <a:prstGeom prst="rect">
